--- a/fuentes/contenidos/grado08/guion01/Mapa conceptual.pptx
+++ b/fuentes/contenidos/grado08/guion01/Mapa conceptual.pptx
@@ -450,7 +450,7 @@
           <a:p>
             <a:fld id="{5001C876-01F7-4317-94B9-1AE222133113}" type="datetimeFigureOut">
               <a:rPr lang="es-ES" smtClean="0"/>
-              <a:t>12/08/2015</a:t>
+              <a:t>27/09/2015</a:t>
             </a:fld>
             <a:endParaRPr lang="es-ES"/>
           </a:p>
@@ -1666,8 +1666,13 @@
                   <a:schemeClr val="bg1"/>
                 </a:solidFill>
               </a:rPr>
-              <a:t>Adición</a:t>
-            </a:r>
+              <a:t>adición</a:t>
+            </a:r>
+            <a:endParaRPr lang="es-ES" sz="800" dirty="0" smtClean="0">
+              <a:solidFill>
+                <a:schemeClr val="bg1"/>
+              </a:solidFill>
+            </a:endParaRPr>
           </a:p>
           <a:p>
             <a:pPr algn="ctr"/>
@@ -1677,8 +1682,13 @@
                   <a:schemeClr val="bg1"/>
                 </a:solidFill>
               </a:rPr>
-              <a:t>Sustracción</a:t>
-            </a:r>
+              <a:t>sustracción</a:t>
+            </a:r>
+            <a:endParaRPr lang="es-ES" sz="800" dirty="0" smtClean="0">
+              <a:solidFill>
+                <a:schemeClr val="bg1"/>
+              </a:solidFill>
+            </a:endParaRPr>
           </a:p>
           <a:p>
             <a:pPr algn="ctr"/>
@@ -1688,8 +1698,13 @@
                   <a:schemeClr val="bg1"/>
                 </a:solidFill>
               </a:rPr>
-              <a:t>Multiplicación</a:t>
-            </a:r>
+              <a:t>multiplicación</a:t>
+            </a:r>
+            <a:endParaRPr lang="es-ES" sz="800" dirty="0" smtClean="0">
+              <a:solidFill>
+                <a:schemeClr val="bg1"/>
+              </a:solidFill>
+            </a:endParaRPr>
           </a:p>
           <a:p>
             <a:pPr algn="ctr"/>
@@ -1699,8 +1714,13 @@
                   <a:schemeClr val="bg1"/>
                 </a:solidFill>
               </a:rPr>
-              <a:t>División</a:t>
-            </a:r>
+              <a:t>división</a:t>
+            </a:r>
+            <a:endParaRPr lang="es-ES" sz="800" dirty="0" smtClean="0">
+              <a:solidFill>
+                <a:schemeClr val="bg1"/>
+              </a:solidFill>
+            </a:endParaRPr>
           </a:p>
           <a:p>
             <a:pPr algn="ctr"/>
@@ -1710,8 +1730,13 @@
                   <a:schemeClr val="bg1"/>
                 </a:solidFill>
               </a:rPr>
-              <a:t>Potenciación</a:t>
-            </a:r>
+              <a:t>potenciación</a:t>
+            </a:r>
+            <a:endParaRPr lang="es-ES" sz="800" dirty="0" smtClean="0">
+              <a:solidFill>
+                <a:schemeClr val="bg1"/>
+              </a:solidFill>
+            </a:endParaRPr>
           </a:p>
         </p:txBody>
       </p:sp>
